--- a/Bútorprojekt.pptx
+++ b/Bútorprojekt.pptx
@@ -218,7 +218,7 @@
           <a:p>
             <a:fld id="{1BFE456D-48B0-46B2-B1D9-144A923D49E4}" type="datetimeFigureOut">
               <a:rPr lang="hu-HU" smtClean="0"/>
-              <a:t>2024. 04. 18.</a:t>
+              <a:t>2024. 04. 19.</a:t>
             </a:fld>
             <a:endParaRPr lang="hu-HU"/>
           </a:p>
@@ -716,7 +716,7 @@
           <a:p>
             <a:fld id="{DEB81C38-255E-4625-B0A2-CBA2F32A93F2}" type="datetimeFigureOut">
               <a:rPr lang="hu-HU" smtClean="0"/>
-              <a:t>2024. 04. 18.</a:t>
+              <a:t>2024. 04. 19.</a:t>
             </a:fld>
             <a:endParaRPr lang="hu-HU"/>
           </a:p>
@@ -914,7 +914,7 @@
           <a:p>
             <a:fld id="{DEB81C38-255E-4625-B0A2-CBA2F32A93F2}" type="datetimeFigureOut">
               <a:rPr lang="hu-HU" smtClean="0"/>
-              <a:t>2024. 04. 18.</a:t>
+              <a:t>2024. 04. 19.</a:t>
             </a:fld>
             <a:endParaRPr lang="hu-HU"/>
           </a:p>
@@ -1122,7 +1122,7 @@
           <a:p>
             <a:fld id="{DEB81C38-255E-4625-B0A2-CBA2F32A93F2}" type="datetimeFigureOut">
               <a:rPr lang="hu-HU" smtClean="0"/>
-              <a:t>2024. 04. 18.</a:t>
+              <a:t>2024. 04. 19.</a:t>
             </a:fld>
             <a:endParaRPr lang="hu-HU"/>
           </a:p>
@@ -1320,7 +1320,7 @@
           <a:p>
             <a:fld id="{DEB81C38-255E-4625-B0A2-CBA2F32A93F2}" type="datetimeFigureOut">
               <a:rPr lang="hu-HU" smtClean="0"/>
-              <a:t>2024. 04. 18.</a:t>
+              <a:t>2024. 04. 19.</a:t>
             </a:fld>
             <a:endParaRPr lang="hu-HU"/>
           </a:p>
@@ -1595,7 +1595,7 @@
           <a:p>
             <a:fld id="{DEB81C38-255E-4625-B0A2-CBA2F32A93F2}" type="datetimeFigureOut">
               <a:rPr lang="hu-HU" smtClean="0"/>
-              <a:t>2024. 04. 18.</a:t>
+              <a:t>2024. 04. 19.</a:t>
             </a:fld>
             <a:endParaRPr lang="hu-HU"/>
           </a:p>
@@ -1860,7 +1860,7 @@
           <a:p>
             <a:fld id="{DEB81C38-255E-4625-B0A2-CBA2F32A93F2}" type="datetimeFigureOut">
               <a:rPr lang="hu-HU" smtClean="0"/>
-              <a:t>2024. 04. 18.</a:t>
+              <a:t>2024. 04. 19.</a:t>
             </a:fld>
             <a:endParaRPr lang="hu-HU"/>
           </a:p>
@@ -2272,7 +2272,7 @@
           <a:p>
             <a:fld id="{DEB81C38-255E-4625-B0A2-CBA2F32A93F2}" type="datetimeFigureOut">
               <a:rPr lang="hu-HU" smtClean="0"/>
-              <a:t>2024. 04. 18.</a:t>
+              <a:t>2024. 04. 19.</a:t>
             </a:fld>
             <a:endParaRPr lang="hu-HU"/>
           </a:p>
@@ -2413,7 +2413,7 @@
           <a:p>
             <a:fld id="{DEB81C38-255E-4625-B0A2-CBA2F32A93F2}" type="datetimeFigureOut">
               <a:rPr lang="hu-HU" smtClean="0"/>
-              <a:t>2024. 04. 18.</a:t>
+              <a:t>2024. 04. 19.</a:t>
             </a:fld>
             <a:endParaRPr lang="hu-HU"/>
           </a:p>
@@ -2526,7 +2526,7 @@
           <a:p>
             <a:fld id="{DEB81C38-255E-4625-B0A2-CBA2F32A93F2}" type="datetimeFigureOut">
               <a:rPr lang="hu-HU" smtClean="0"/>
-              <a:t>2024. 04. 18.</a:t>
+              <a:t>2024. 04. 19.</a:t>
             </a:fld>
             <a:endParaRPr lang="hu-HU"/>
           </a:p>
@@ -2837,7 +2837,7 @@
           <a:p>
             <a:fld id="{DEB81C38-255E-4625-B0A2-CBA2F32A93F2}" type="datetimeFigureOut">
               <a:rPr lang="hu-HU" smtClean="0"/>
-              <a:t>2024. 04. 18.</a:t>
+              <a:t>2024. 04. 19.</a:t>
             </a:fld>
             <a:endParaRPr lang="hu-HU"/>
           </a:p>
@@ -3125,7 +3125,7 @@
           <a:p>
             <a:fld id="{DEB81C38-255E-4625-B0A2-CBA2F32A93F2}" type="datetimeFigureOut">
               <a:rPr lang="hu-HU" smtClean="0"/>
-              <a:t>2024. 04. 18.</a:t>
+              <a:t>2024. 04. 19.</a:t>
             </a:fld>
             <a:endParaRPr lang="hu-HU"/>
           </a:p>
@@ -3369,7 +3369,7 @@
           <a:p>
             <a:fld id="{DEB81C38-255E-4625-B0A2-CBA2F32A93F2}" type="datetimeFigureOut">
               <a:rPr lang="hu-HU" smtClean="0"/>
-              <a:t>2024. 04. 18.</a:t>
+              <a:t>2024. 04. 19.</a:t>
             </a:fld>
             <a:endParaRPr lang="hu-HU"/>
           </a:p>
@@ -17602,6 +17602,42 @@
           </a:p>
         </p:txBody>
       </p:sp>
+      <p:pic>
+        <p:nvPicPr>
+          <p:cNvPr id="3" name="Kép 2" descr="A képen szöveg, képernyőkép, Betűtípus, szám látható&#10;&#10;Automatikusan generált leírás">
+            <a:extLst>
+              <a:ext uri="{FF2B5EF4-FFF2-40B4-BE49-F238E27FC236}">
+                <a16:creationId xmlns:a16="http://schemas.microsoft.com/office/drawing/2014/main" id="{FF6D432A-B07B-3C02-429D-1B8B7A601842}"/>
+              </a:ext>
+            </a:extLst>
+          </p:cNvPr>
+          <p:cNvPicPr>
+            <a:picLocks noChangeAspect="1"/>
+          </p:cNvPicPr>
+          <p:nvPr/>
+        </p:nvPicPr>
+        <p:blipFill>
+          <a:blip r:embed="rId2">
+            <a:extLst>
+              <a:ext uri="{28A0092B-C50C-407E-A947-70E740481C1C}">
+                <a14:useLocalDpi xmlns:a14="http://schemas.microsoft.com/office/drawing/2010/main" val="0"/>
+              </a:ext>
+            </a:extLst>
+          </a:blip>
+          <a:stretch>
+            <a:fillRect/>
+          </a:stretch>
+        </p:blipFill>
+        <p:spPr>
+          <a:xfrm>
+            <a:off x="3107548" y="980172"/>
+            <a:ext cx="5976904" cy="5741361"/>
+          </a:xfrm>
+          <a:prstGeom prst="rect">
+            <a:avLst/>
+          </a:prstGeom>
+        </p:spPr>
+      </p:pic>
     </p:spTree>
     <p:extLst>
       <p:ext uri="{BB962C8B-B14F-4D97-AF65-F5344CB8AC3E}">
